--- a/000_ReactJS_V03.pptx
+++ b/000_ReactJS_V03.pptx
@@ -5,15 +5,14 @@
     <p:sldMasterId id="2147483648" r:id="rId1"/>
   </p:sldMasterIdLst>
   <p:notesMasterIdLst>
-    <p:notesMasterId r:id="rId8"/>
+    <p:notesMasterId r:id="rId7"/>
   </p:notesMasterIdLst>
   <p:sldIdLst>
     <p:sldId id="256" r:id="rId2"/>
     <p:sldId id="263" r:id="rId3"/>
     <p:sldId id="266" r:id="rId4"/>
-    <p:sldId id="271" r:id="rId5"/>
-    <p:sldId id="265" r:id="rId6"/>
-    <p:sldId id="259" r:id="rId7"/>
+    <p:sldId id="265" r:id="rId5"/>
+    <p:sldId id="259" r:id="rId6"/>
   </p:sldIdLst>
   <p:sldSz cx="9144000" cy="6858000" type="screen4x3"/>
   <p:notesSz cx="6858000" cy="9144000"/>
@@ -214,7 +213,7 @@
             <a:fld id="{6837EDA8-41C8-4B24-A206-13C08A65A6D7}" type="datetimeFigureOut">
               <a:rPr lang="zh-TW" altLang="en-US" smtClean="0"/>
               <a:pPr/>
-              <a:t>2020/9/28</a:t>
+              <a:t>2020/9/29</a:t>
             </a:fld>
             <a:endParaRPr lang="zh-TW" altLang="en-US"/>
           </a:p>
@@ -667,7 +666,7 @@
             <a:fld id="{8B85509C-BD4F-47BF-9B1E-FC2E949B3621}" type="datetime1">
               <a:rPr lang="zh-TW" altLang="en-US" smtClean="0"/>
               <a:pPr/>
-              <a:t>2020/9/28</a:t>
+              <a:t>2020/9/29</a:t>
             </a:fld>
             <a:endParaRPr lang="zh-TW" altLang="en-US"/>
           </a:p>
@@ -840,7 +839,7 @@
             <a:fld id="{42251B24-F787-4C15-8A0F-7AEC20C70069}" type="datetime1">
               <a:rPr lang="zh-TW" altLang="en-US" smtClean="0"/>
               <a:pPr/>
-              <a:t>2020/9/28</a:t>
+              <a:t>2020/9/29</a:t>
             </a:fld>
             <a:endParaRPr lang="zh-TW" altLang="en-US"/>
           </a:p>
@@ -1015,7 +1014,7 @@
             <a:fld id="{9CA0D33C-CE2B-45F1-B8D4-FFD1F131F331}" type="datetime1">
               <a:rPr lang="zh-TW" altLang="en-US" smtClean="0"/>
               <a:pPr/>
-              <a:t>2020/9/28</a:t>
+              <a:t>2020/9/29</a:t>
             </a:fld>
             <a:endParaRPr lang="zh-TW" altLang="en-US"/>
           </a:p>
@@ -1180,7 +1179,7 @@
             <a:fld id="{50B99440-D9EF-40CC-9B52-F6428D9B2C76}" type="datetime1">
               <a:rPr lang="zh-TW" altLang="en-US" smtClean="0"/>
               <a:pPr/>
-              <a:t>2020/9/28</a:t>
+              <a:t>2020/9/29</a:t>
             </a:fld>
             <a:endParaRPr lang="zh-TW" altLang="en-US"/>
           </a:p>
@@ -1422,7 +1421,7 @@
             <a:fld id="{0871BF52-5C6C-4959-8E27-CECB68D39FE4}" type="datetime1">
               <a:rPr lang="zh-TW" altLang="en-US" smtClean="0"/>
               <a:pPr/>
-              <a:t>2020/9/28</a:t>
+              <a:t>2020/9/29</a:t>
             </a:fld>
             <a:endParaRPr lang="zh-TW" altLang="en-US"/>
           </a:p>
@@ -1704,7 +1703,7 @@
             <a:fld id="{DF863F05-2DD9-4EB1-A827-12FD992DE9DC}" type="datetime1">
               <a:rPr lang="zh-TW" altLang="en-US" smtClean="0"/>
               <a:pPr/>
-              <a:t>2020/9/28</a:t>
+              <a:t>2020/9/29</a:t>
             </a:fld>
             <a:endParaRPr lang="zh-TW" altLang="en-US"/>
           </a:p>
@@ -2120,7 +2119,7 @@
             <a:fld id="{6339AF51-4491-4873-A096-75DB6CE47516}" type="datetime1">
               <a:rPr lang="zh-TW" altLang="en-US" smtClean="0"/>
               <a:pPr/>
-              <a:t>2020/9/28</a:t>
+              <a:t>2020/9/29</a:t>
             </a:fld>
             <a:endParaRPr lang="zh-TW" altLang="en-US"/>
           </a:p>
@@ -2234,7 +2233,7 @@
             <a:fld id="{EE4AD9C8-8B9E-40FF-ABE2-858AC2057BBB}" type="datetime1">
               <a:rPr lang="zh-TW" altLang="en-US" smtClean="0"/>
               <a:pPr/>
-              <a:t>2020/9/28</a:t>
+              <a:t>2020/9/29</a:t>
             </a:fld>
             <a:endParaRPr lang="zh-TW" altLang="en-US"/>
           </a:p>
@@ -2326,7 +2325,7 @@
             <a:fld id="{B4784999-BBBE-4BE4-A8D0-877E7D1D66CC}" type="datetime1">
               <a:rPr lang="zh-TW" altLang="en-US" smtClean="0"/>
               <a:pPr/>
-              <a:t>2020/9/28</a:t>
+              <a:t>2020/9/29</a:t>
             </a:fld>
             <a:endParaRPr lang="zh-TW" altLang="en-US"/>
           </a:p>
@@ -2598,7 +2597,7 @@
             <a:fld id="{E88D17E6-02BD-4944-B9FE-7BFCCBF83D48}" type="datetime1">
               <a:rPr lang="zh-TW" altLang="en-US" smtClean="0"/>
               <a:pPr/>
-              <a:t>2020/9/28</a:t>
+              <a:t>2020/9/29</a:t>
             </a:fld>
             <a:endParaRPr lang="zh-TW" altLang="en-US"/>
           </a:p>
@@ -2847,7 +2846,7 @@
             <a:fld id="{3C13E23D-1FEF-4D78-A3A3-3D6F2BB31954}" type="datetime1">
               <a:rPr lang="zh-TW" altLang="en-US" smtClean="0"/>
               <a:pPr/>
-              <a:t>2020/9/28</a:t>
+              <a:t>2020/9/29</a:t>
             </a:fld>
             <a:endParaRPr lang="zh-TW" altLang="en-US"/>
           </a:p>
@@ -3055,7 +3054,7 @@
             <a:fld id="{06197F35-AD6F-4594-8B50-334492D2E7E8}" type="datetime1">
               <a:rPr lang="zh-TW" altLang="en-US" smtClean="0"/>
               <a:pPr/>
-              <a:t>2020/9/28</a:t>
+              <a:t>2020/9/29</a:t>
             </a:fld>
             <a:endParaRPr lang="zh-TW" altLang="en-US"/>
           </a:p>
@@ -3516,7 +3515,7 @@
             <a:fld id="{C389EDC9-19E3-47AC-9C57-C6A24DEA81AD}" type="datetime1">
               <a:rPr lang="zh-TW" altLang="en-US" smtClean="0"/>
               <a:pPr/>
-              <a:t>2020/9/28</a:t>
+              <a:t>2020/9/29</a:t>
             </a:fld>
             <a:endParaRPr lang="zh-TW" altLang="en-US"/>
           </a:p>
@@ -3882,7 +3881,7 @@
             <a:fld id="{A4F910E6-8D00-4BAF-8C48-9688E0B449D3}" type="datetime1">
               <a:rPr lang="zh-TW" altLang="en-US" smtClean="0"/>
               <a:pPr/>
-              <a:t>2020/9/28</a:t>
+              <a:t>2020/9/29</a:t>
             </a:fld>
             <a:endParaRPr lang="zh-TW" altLang="en-US"/>
           </a:p>
@@ -4156,7 +4155,7 @@
                   <a:schemeClr val="tx1"/>
                 </a:solidFill>
               </a:rPr>
-              <a:t>Section 6: HOC and  Redner Property</a:t>
+              <a:t>Section 6: HOC, Redner Property, and Context</a:t>
             </a:r>
           </a:p>
           <a:p>
@@ -4174,7 +4173,7 @@
                   <a:schemeClr val="tx1"/>
                 </a:solidFill>
               </a:rPr>
-              <a:t>Section 7: Context</a:t>
+              <a:t>Section 7: Router and Http/Axios</a:t>
             </a:r>
           </a:p>
           <a:p>
@@ -4192,7 +4191,7 @@
                   <a:schemeClr val="tx1"/>
                 </a:solidFill>
               </a:rPr>
-              <a:t>Section 8: Router</a:t>
+              <a:t>Section 8: Redux 1: Reducer</a:t>
             </a:r>
           </a:p>
           <a:p>
@@ -4210,7 +4209,23 @@
                   <a:schemeClr val="tx1"/>
                 </a:solidFill>
               </a:rPr>
-              <a:t>Section 9: Http/Axios</a:t>
+              <a:t>Section 9: Redux 2: </a:t>
+            </a:r>
+            <a:r>
+              <a:rPr lang="en-US" sz="1800" b="1" dirty="0" err="1">
+                <a:solidFill>
+                  <a:schemeClr val="tx1"/>
+                </a:solidFill>
+              </a:rPr>
+              <a:t>Thunk</a:t>
+            </a:r>
+            <a:r>
+              <a:rPr lang="en-US" sz="1800" b="1" dirty="0">
+                <a:solidFill>
+                  <a:schemeClr val="tx1"/>
+                </a:solidFill>
+              </a:rPr>
+              <a:t> and Store</a:t>
             </a:r>
           </a:p>
           <a:p>
@@ -4228,7 +4243,7 @@
                   <a:schemeClr val="tx1"/>
                 </a:solidFill>
               </a:rPr>
-              <a:t>Section 10</a:t>
+              <a:t>Section 10: Redux 3: </a:t>
             </a:r>
             <a:r>
               <a:rPr lang="en-US" sz="1800" b="1">
@@ -4236,7 +4251,7 @@
                   <a:schemeClr val="tx1"/>
                 </a:solidFill>
               </a:rPr>
-              <a:t>: Redux</a:t>
+              <a:t>Dispacth</a:t>
             </a:r>
             <a:endParaRPr lang="en-US" sz="1800" b="1" dirty="0">
               <a:solidFill>
@@ -4550,7 +4565,7 @@
             <a:fld id="{A4F910E6-8D00-4BAF-8C48-9688E0B449D3}" type="datetime1">
               <a:rPr lang="zh-TW" altLang="en-US" smtClean="0"/>
               <a:pPr/>
-              <a:t>2020/9/28</a:t>
+              <a:t>2020/9/29</a:t>
             </a:fld>
             <a:endParaRPr lang="zh-TW" altLang="en-US"/>
           </a:p>
@@ -4670,7 +4685,7 @@
                   <a:srgbClr val="FFFF00"/>
                 </a:solidFill>
               </a:rPr>
-              <a:t>00 React/Angular Syllabus</a:t>
+              <a:t>00 React Syllabus</a:t>
             </a:r>
             <a:endParaRPr lang="zh-TW" altLang="en-US" b="1" dirty="0">
               <a:solidFill>
@@ -4692,8 +4707,8 @@
         </p:nvSpPr>
         <p:spPr>
           <a:xfrm>
-            <a:off x="467544" y="1340768"/>
-            <a:ext cx="8352928" cy="5256584"/>
+            <a:off x="467544" y="1340767"/>
+            <a:ext cx="8352928" cy="5015583"/>
           </a:xfrm>
           <a:ln>
             <a:solidFill>
@@ -4716,12 +4731,12 @@
               <a:buChar char="u"/>
             </a:pPr>
             <a:r>
-              <a:rPr lang="en-US" altLang="zh-TW" sz="1800" b="1" dirty="0">
+              <a:rPr lang="en-US" sz="1800" b="1" dirty="0">
                 <a:solidFill>
                   <a:schemeClr val="tx1"/>
                 </a:solidFill>
               </a:rPr>
-              <a:t>React Syllabus:</a:t>
+              <a:t>References:</a:t>
             </a:r>
           </a:p>
           <a:p>
@@ -4738,9 +4753,16 @@
                 <a:solidFill>
                   <a:schemeClr val="tx1"/>
                 </a:solidFill>
-              </a:rPr>
-              <a:t>Ch 1 - Ch 6: Assignment 1: Setup/Functional components</a:t>
-            </a:r>
+                <a:effectLst/>
+                <a:hlinkClick r:id="rId2"/>
+              </a:rPr>
+              <a:t>https://github.com/peterhchen/800-React-Hook</a:t>
+            </a:r>
+            <a:endParaRPr lang="en-US" sz="1800" b="1" dirty="0">
+              <a:solidFill>
+                <a:schemeClr val="tx1"/>
+              </a:solidFill>
+            </a:endParaRPr>
           </a:p>
           <a:p>
             <a:pPr marL="342900" indent="-342900" algn="l">
@@ -4756,9 +4778,15 @@
                 <a:solidFill>
                   <a:schemeClr val="tx1"/>
                 </a:solidFill>
-              </a:rPr>
-              <a:t>Ch 7 - Ch 12: Assignment 2: Props/State</a:t>
-            </a:r>
+                <a:hlinkClick r:id="rId3"/>
+              </a:rPr>
+              <a:t>https://github.com/peterhchen/900_React_Proj</a:t>
+            </a:r>
+            <a:endParaRPr lang="en-US" sz="1800" b="1" dirty="0">
+              <a:solidFill>
+                <a:schemeClr val="tx1"/>
+              </a:solidFill>
+            </a:endParaRPr>
           </a:p>
           <a:p>
             <a:pPr marL="342900" indent="-342900" algn="l">
@@ -4774,9 +4802,17 @@
                 <a:solidFill>
                   <a:schemeClr val="tx1"/>
                 </a:solidFill>
-              </a:rPr>
-              <a:t>Ch 13 - Ch 16: Assignment 3: Event Handler/Conditional Render</a:t>
-            </a:r>
+                <a:effectLst/>
+                <a:hlinkClick r:id="rId4"/>
+              </a:rPr>
+              <a:t>https://github.com/peterhchen/900_React_Django</a:t>
+            </a:r>
+            <a:endParaRPr lang="en-US" sz="1800" b="1" dirty="0">
+              <a:solidFill>
+                <a:schemeClr val="tx1"/>
+              </a:solidFill>
+              <a:effectLst/>
+            </a:endParaRPr>
           </a:p>
           <a:p>
             <a:pPr marL="342900" indent="-342900" algn="l">
@@ -4792,9 +4828,17 @@
                 <a:solidFill>
                   <a:schemeClr val="tx1"/>
                 </a:solidFill>
-              </a:rPr>
-              <a:t>Ch 17 - Ch 21: Assignment 4: List/Index Key/CSS/Form</a:t>
-            </a:r>
+                <a:effectLst/>
+                <a:hlinkClick r:id="rId5"/>
+              </a:rPr>
+              <a:t>https://github.com/peterhchen/800_Angular</a:t>
+            </a:r>
+            <a:endParaRPr lang="en-US" sz="1800" b="1" dirty="0">
+              <a:solidFill>
+                <a:schemeClr val="tx1"/>
+              </a:solidFill>
+              <a:effectLst/>
+            </a:endParaRPr>
           </a:p>
           <a:p>
             <a:pPr marL="342900" indent="-342900" algn="l">
@@ -4810,9 +4854,17 @@
                 <a:solidFill>
                   <a:schemeClr val="tx1"/>
                 </a:solidFill>
-              </a:rPr>
-              <a:t>Ch 22 - Ch 24: Assignment 5: Component Mount/Update</a:t>
-            </a:r>
+                <a:effectLst/>
+                <a:hlinkClick r:id="rId6"/>
+              </a:rPr>
+              <a:t>https://github.com/peterhchen/900_Angular_Django</a:t>
+            </a:r>
+            <a:endParaRPr lang="en-US" sz="1800" b="1" dirty="0">
+              <a:solidFill>
+                <a:schemeClr val="tx1"/>
+              </a:solidFill>
+              <a:effectLst/>
+            </a:endParaRPr>
           </a:p>
           <a:p>
             <a:pPr marL="342900" indent="-342900" algn="l">
@@ -4828,9 +4880,17 @@
                 <a:solidFill>
                   <a:schemeClr val="tx1"/>
                 </a:solidFill>
-              </a:rPr>
-              <a:t>Ch 25 - Ch 30: Assignment 6: Fragment/Pure/memo/refs</a:t>
-            </a:r>
+                <a:effectLst/>
+                <a:hlinkClick r:id="rId7"/>
+              </a:rPr>
+              <a:t>https://github.com/peterhchen/900_Angular_Proj</a:t>
+            </a:r>
+            <a:endParaRPr lang="en-US" sz="1800" b="1" dirty="0">
+              <a:solidFill>
+                <a:schemeClr val="tx1"/>
+              </a:solidFill>
+              <a:effectLst/>
+            </a:endParaRPr>
           </a:p>
           <a:p>
             <a:pPr marL="342900" indent="-342900" algn="l">
@@ -4846,8 +4906,9 @@
                 <a:solidFill>
                   <a:schemeClr val="tx1"/>
                 </a:solidFill>
-              </a:rPr>
-              <a:t>Ch 33 - Ch 35: Assignment 7: HOC</a:t>
+                <a:effectLst/>
+              </a:rPr>
+              <a:t>Textbooks:</a:t>
             </a:r>
           </a:p>
           <a:p>
@@ -4860,270 +4921,108 @@
               <a:buChar char="u"/>
             </a:pPr>
             <a:r>
+              <a:rPr lang="en-US" sz="1800" b="0" i="0" dirty="0">
+                <a:solidFill>
+                  <a:srgbClr val="111111"/>
+                </a:solidFill>
+                <a:effectLst/>
+                <a:latin typeface="Amazon Ember"/>
+              </a:rPr>
+              <a:t>Learn React Hooks: Build and refactor modern React.js applications using </a:t>
+            </a:r>
+            <a:r>
+              <a:rPr lang="en-US" sz="1800" b="0" i="0">
+                <a:solidFill>
+                  <a:srgbClr val="111111"/>
+                </a:solidFill>
+                <a:effectLst/>
+                <a:latin typeface="Amazon Ember"/>
+              </a:rPr>
+              <a:t>Hooks, </a:t>
+            </a:r>
+            <a:r>
+              <a:rPr lang="en-US" sz="1800" b="1" i="0">
+                <a:solidFill>
+                  <a:srgbClr val="555555"/>
+                </a:solidFill>
+                <a:effectLst/>
+                <a:latin typeface="Amazon Ember"/>
+              </a:rPr>
+              <a:t>October </a:t>
+            </a:r>
+            <a:r>
+              <a:rPr lang="en-US" sz="1800" b="1" i="0" dirty="0">
+                <a:solidFill>
+                  <a:srgbClr val="555555"/>
+                </a:solidFill>
+                <a:effectLst/>
+                <a:latin typeface="Amazon Ember"/>
+              </a:rPr>
+              <a:t>18</a:t>
+            </a:r>
+            <a:r>
+              <a:rPr lang="en-US" sz="1800" b="1" i="0">
+                <a:solidFill>
+                  <a:srgbClr val="555555"/>
+                </a:solidFill>
+                <a:effectLst/>
+                <a:latin typeface="Amazon Ember"/>
+              </a:rPr>
+              <a:t>, 2019</a:t>
+            </a:r>
+            <a:r>
+              <a:rPr lang="en-US" sz="1800" b="1">
+                <a:solidFill>
+                  <a:srgbClr val="111111"/>
+                </a:solidFill>
+                <a:latin typeface="Amazon Ember"/>
+              </a:rPr>
+              <a:t>,</a:t>
+            </a:r>
+            <a:r>
               <a:rPr lang="en-US" sz="1800" b="1" dirty="0">
                 <a:solidFill>
-                  <a:schemeClr val="tx1"/>
-                </a:solidFill>
-              </a:rPr>
-              <a:t>Ch 36 - Ch 37: Assignment 8: Redner Property</a:t>
-            </a:r>
-          </a:p>
-          <a:p>
-            <a:pPr marL="342900" indent="-342900" algn="l">
-              <a:buClr>
-                <a:srgbClr val="0070C0"/>
-              </a:buClr>
-              <a:buSzPct val="80000"/>
-              <a:buFont typeface="Wingdings" pitchFamily="2" charset="2"/>
-              <a:buChar char="u"/>
-            </a:pPr>
-            <a:r>
-              <a:rPr lang="en-US" sz="1800" b="1" dirty="0">
-                <a:solidFill>
-                  <a:schemeClr val="tx1"/>
-                </a:solidFill>
-              </a:rPr>
-              <a:t>Ch 38 - Ch 40: Assignment 9: Context</a:t>
-            </a:r>
-          </a:p>
-          <a:p>
-            <a:pPr marL="342900" indent="-342900" algn="l">
-              <a:buClr>
-                <a:srgbClr val="0070C0"/>
-              </a:buClr>
-              <a:buSzPct val="80000"/>
-              <a:buFont typeface="Wingdings" pitchFamily="2" charset="2"/>
-              <a:buChar char="u"/>
-            </a:pPr>
-            <a:r>
-              <a:rPr lang="en-US" sz="1800" b="1" dirty="0">
-                <a:solidFill>
-                  <a:schemeClr val="tx1"/>
-                </a:solidFill>
-              </a:rPr>
-              <a:t>Ch 41 - Ch 43: Assignment 10: Http/Axios</a:t>
-            </a:r>
-          </a:p>
-          <a:p>
-            <a:pPr marL="342900" indent="-342900" algn="l">
-              <a:buClr>
-                <a:srgbClr val="0070C0"/>
-              </a:buClr>
-              <a:buSzPct val="80000"/>
-              <a:buFont typeface="Wingdings" pitchFamily="2" charset="2"/>
-              <a:buChar char="u"/>
-            </a:pPr>
-            <a:r>
-              <a:rPr lang="en-US" sz="1800" b="1" dirty="0">
-                <a:solidFill>
-                  <a:schemeClr val="tx1"/>
-                </a:solidFill>
-              </a:rPr>
-              <a:t>Ch 44 - Ch 48: Assignment 11: Hook 1: </a:t>
-            </a:r>
-            <a:r>
-              <a:rPr lang="en-US" sz="1800" b="1" dirty="0" err="1">
-                <a:solidFill>
-                  <a:schemeClr val="tx1"/>
-                </a:solidFill>
-              </a:rPr>
-              <a:t>useState</a:t>
-            </a:r>
-            <a:r>
-              <a:rPr lang="en-US" sz="1800" b="1" dirty="0">
-                <a:solidFill>
-                  <a:schemeClr val="tx1"/>
-                </a:solidFill>
+                  <a:srgbClr val="111111"/>
+                </a:solidFill>
+                <a:latin typeface="Amazon Ember"/>
               </a:rPr>
               <a:t> </a:t>
             </a:r>
-          </a:p>
-          <a:p>
-            <a:pPr marL="342900" indent="-342900" algn="l">
-              <a:buClr>
-                <a:srgbClr val="0070C0"/>
-              </a:buClr>
-              <a:buSzPct val="80000"/>
-              <a:buFont typeface="Wingdings" pitchFamily="2" charset="2"/>
-              <a:buChar char="u"/>
-            </a:pPr>
-            <a:r>
-              <a:rPr lang="en-US" sz="1800" b="1" dirty="0">
-                <a:solidFill>
-                  <a:schemeClr val="tx1"/>
-                </a:solidFill>
-              </a:rPr>
-              <a:t>Ch 49 - Ch 54: Assignment 12: Hook 2: </a:t>
-            </a:r>
-            <a:r>
-              <a:rPr lang="en-US" sz="1800" b="1" dirty="0" err="1">
-                <a:solidFill>
-                  <a:schemeClr val="tx1"/>
-                </a:solidFill>
-              </a:rPr>
-              <a:t>useEffect</a:t>
+            <a:r>
+              <a:rPr lang="en-US" sz="1800" b="0" i="0">
+                <a:solidFill>
+                  <a:srgbClr val="111111"/>
+                </a:solidFill>
+                <a:effectLst/>
+                <a:latin typeface="Amazon Ember"/>
+              </a:rPr>
+              <a:t>Daniel </a:t>
+            </a:r>
+            <a:r>
+              <a:rPr lang="en-US" sz="1800" b="0" i="0" dirty="0" err="1">
+                <a:solidFill>
+                  <a:srgbClr val="111111"/>
+                </a:solidFill>
+                <a:effectLst/>
+                <a:latin typeface="Amazon Ember"/>
+              </a:rPr>
+              <a:t>Bugl</a:t>
+            </a:r>
+            <a:r>
+              <a:rPr lang="en-US" sz="1800" b="0" i="0" dirty="0">
+                <a:solidFill>
+                  <a:srgbClr val="111111"/>
+                </a:solidFill>
+                <a:effectLst/>
+                <a:latin typeface="Amazon Ember"/>
+              </a:rPr>
+              <a:t> </a:t>
             </a:r>
             <a:endParaRPr lang="en-US" sz="1800" b="1" dirty="0">
               <a:solidFill>
                 <a:schemeClr val="tx1"/>
               </a:solidFill>
-            </a:endParaRPr>
-          </a:p>
-          <a:p>
-            <a:pPr marL="342900" indent="-342900" algn="l">
-              <a:buClr>
-                <a:srgbClr val="0070C0"/>
-              </a:buClr>
-              <a:buSzPct val="80000"/>
-              <a:buFont typeface="Wingdings" pitchFamily="2" charset="2"/>
-              <a:buChar char="u"/>
-            </a:pPr>
-            <a:r>
-              <a:rPr lang="en-US" sz="1800" b="1" dirty="0">
-                <a:solidFill>
-                  <a:schemeClr val="tx1"/>
-                </a:solidFill>
-              </a:rPr>
-              <a:t>Ch 55 - Ch 60: Assignment 13: Hook 3: </a:t>
-            </a:r>
-            <a:r>
-              <a:rPr lang="en-US" sz="1800" b="1" dirty="0" err="1">
-                <a:solidFill>
-                  <a:schemeClr val="tx1"/>
-                </a:solidFill>
-              </a:rPr>
-              <a:t>useData</a:t>
-            </a:r>
-            <a:r>
-              <a:rPr lang="en-US" sz="1800" b="1" dirty="0">
-                <a:solidFill>
-                  <a:schemeClr val="tx1"/>
-                </a:solidFill>
-              </a:rPr>
-              <a:t> and </a:t>
-            </a:r>
-            <a:r>
-              <a:rPr lang="en-US" sz="1800" b="1" dirty="0" err="1">
-                <a:solidFill>
-                  <a:schemeClr val="tx1"/>
-                </a:solidFill>
-              </a:rPr>
-              <a:t>useContext</a:t>
-            </a:r>
-            <a:endParaRPr lang="en-US" sz="1800" b="1" dirty="0">
-              <a:solidFill>
-                <a:schemeClr val="tx1"/>
-              </a:solidFill>
-            </a:endParaRPr>
-          </a:p>
-          <a:p>
-            <a:pPr marL="342900" indent="-342900" algn="l">
-              <a:buClr>
-                <a:srgbClr val="0070C0"/>
-              </a:buClr>
-              <a:buSzPct val="80000"/>
-              <a:buFont typeface="Wingdings" pitchFamily="2" charset="2"/>
-              <a:buChar char="u"/>
-            </a:pPr>
-            <a:r>
-              <a:rPr lang="en-US" sz="1800" b="1" dirty="0">
-                <a:solidFill>
-                  <a:schemeClr val="tx1"/>
-                </a:solidFill>
-              </a:rPr>
-              <a:t>Ch 61 - Ch 64: Assignment 14: Hook 4: </a:t>
-            </a:r>
-            <a:r>
-              <a:rPr lang="en-US" sz="1800" b="1" dirty="0" err="1">
-                <a:solidFill>
-                  <a:schemeClr val="tx1"/>
-                </a:solidFill>
-              </a:rPr>
-              <a:t>useContext</a:t>
-            </a:r>
-            <a:r>
-              <a:rPr lang="en-US" sz="1800" b="1" dirty="0">
-                <a:solidFill>
-                  <a:schemeClr val="tx1"/>
-                </a:solidFill>
-              </a:rPr>
-              <a:t>, </a:t>
-            </a:r>
-            <a:r>
-              <a:rPr lang="en-US" sz="1800" b="1" dirty="0" err="1">
-                <a:solidFill>
-                  <a:schemeClr val="tx1"/>
-                </a:solidFill>
-              </a:rPr>
-              <a:t>useReducerMultiple</a:t>
-            </a:r>
-            <a:endParaRPr lang="en-US" sz="1800" b="1" dirty="0">
-              <a:solidFill>
-                <a:schemeClr val="tx1"/>
-              </a:solidFill>
-            </a:endParaRPr>
-          </a:p>
-          <a:p>
-            <a:pPr marL="342900" indent="-342900" algn="l">
-              <a:buClr>
-                <a:srgbClr val="0070C0"/>
-              </a:buClr>
-              <a:buSzPct val="80000"/>
-              <a:buFont typeface="Wingdings" pitchFamily="2" charset="2"/>
-              <a:buChar char="u"/>
-            </a:pPr>
-            <a:r>
-              <a:rPr lang="en-US" sz="1800" b="1" dirty="0">
-                <a:solidFill>
-                  <a:schemeClr val="tx1"/>
-                </a:solidFill>
-              </a:rPr>
-              <a:t>Ch 65 - Ch 68: Assignment 15: Hook 5: </a:t>
-            </a:r>
-            <a:r>
-              <a:rPr lang="en-US" sz="1800" b="1">
-                <a:solidFill>
-                  <a:schemeClr val="tx1"/>
-                </a:solidFill>
-              </a:rPr>
-              <a:t>useReducer</a:t>
-            </a:r>
-            <a:r>
-              <a:rPr lang="en-US" sz="1800" b="1" dirty="0">
-                <a:solidFill>
-                  <a:schemeClr val="tx1"/>
-                </a:solidFill>
-              </a:rPr>
-              <a:t>, </a:t>
-            </a:r>
-            <a:r>
-              <a:rPr lang="en-US" sz="1800" b="1" dirty="0" err="1">
-                <a:solidFill>
-                  <a:schemeClr val="tx1"/>
-                </a:solidFill>
-              </a:rPr>
-              <a:t>useContext</a:t>
-            </a:r>
-            <a:r>
-              <a:rPr lang="en-US" sz="1800" b="1" dirty="0">
-                <a:solidFill>
-                  <a:schemeClr val="tx1"/>
-                </a:solidFill>
-              </a:rPr>
-              <a:t>, </a:t>
-            </a:r>
-            <a:r>
-              <a:rPr lang="en-US" sz="1800" b="1" dirty="0" err="1">
-                <a:solidFill>
-                  <a:schemeClr val="tx1"/>
-                </a:solidFill>
-              </a:rPr>
-              <a:t>useState</a:t>
-            </a:r>
-            <a:endParaRPr lang="en-US" sz="1800" b="1" dirty="0">
-              <a:solidFill>
-                <a:schemeClr val="tx1"/>
-              </a:solidFill>
+              <a:effectLst/>
             </a:endParaRPr>
           </a:p>
         </p:txBody>
@@ -5179,9 +5078,9 @@
           <a:p>
             <a:r>
               <a:rPr lang="en-US" sz="1600" dirty="0">
-                <a:hlinkClick r:id="rId2"/>
-              </a:rPr>
-              <a:t>https://github.com/peterhchen/900_React_Proj</a:t>
+                <a:hlinkClick r:id="rId7"/>
+              </a:rPr>
+              <a:t>https://github.com/peterhchen/900_Angular_Proj</a:t>
             </a:r>
             <a:endParaRPr lang="en-US" altLang="zh-TW" sz="1600" b="1" i="1" dirty="0"/>
           </a:p>
@@ -5210,7 +5109,7 @@
             <a:fld id="{A4F910E6-8D00-4BAF-8C48-9688E0B449D3}" type="datetime1">
               <a:rPr lang="zh-TW" altLang="en-US" smtClean="0"/>
               <a:pPr/>
-              <a:t>2020/9/28</a:t>
+              <a:t>2020/9/29</a:t>
             </a:fld>
             <a:endParaRPr lang="zh-TW" altLang="en-US"/>
           </a:p>
@@ -5240,550 +5139,6 @@
               <a:rPr lang="zh-TW" altLang="en-US" smtClean="0"/>
               <a:pPr/>
               <a:t>4</a:t>
-            </a:fld>
-            <a:endParaRPr lang="zh-TW" altLang="en-US"/>
-          </a:p>
-        </p:txBody>
-      </p:sp>
-    </p:spTree>
-    <p:extLst>
-      <p:ext uri="{BB962C8B-B14F-4D97-AF65-F5344CB8AC3E}">
-        <p14:creationId xmlns:p14="http://schemas.microsoft.com/office/powerpoint/2010/main" val="2025906996"/>
-      </p:ext>
-    </p:extLst>
-  </p:cSld>
-  <p:clrMapOvr>
-    <a:masterClrMapping/>
-  </p:clrMapOvr>
-</p:sld>
-</file>
-
-<file path=ppt/slides/slide5.xml><?xml version="1.0" encoding="utf-8"?>
-<p:sld xmlns:a="http://schemas.openxmlformats.org/drawingml/2006/main" xmlns:r="http://schemas.openxmlformats.org/officeDocument/2006/relationships" xmlns:p="http://schemas.openxmlformats.org/presentationml/2006/main">
-  <p:cSld>
-    <p:spTree>
-      <p:nvGrpSpPr>
-        <p:cNvPr id="1" name=""/>
-        <p:cNvGrpSpPr/>
-        <p:nvPr/>
-      </p:nvGrpSpPr>
-      <p:grpSpPr>
-        <a:xfrm>
-          <a:off x="0" y="0"/>
-          <a:ext cx="0" cy="0"/>
-          <a:chOff x="0" y="0"/>
-          <a:chExt cx="0" cy="0"/>
-        </a:xfrm>
-      </p:grpSpPr>
-      <p:sp>
-        <p:nvSpPr>
-          <p:cNvPr id="2" name="標題 1"/>
-          <p:cNvSpPr>
-            <a:spLocks noGrp="1"/>
-          </p:cNvSpPr>
-          <p:nvPr>
-            <p:ph type="ctrTitle"/>
-          </p:nvPr>
-        </p:nvSpPr>
-        <p:spPr>
-          <a:xfrm>
-            <a:off x="0" y="1"/>
-            <a:ext cx="9144000" cy="764704"/>
-          </a:xfrm>
-          <a:gradFill flip="none" rotWithShape="1">
-            <a:gsLst>
-              <a:gs pos="0">
-                <a:srgbClr val="C00000">
-                  <a:shade val="30000"/>
-                  <a:satMod val="115000"/>
-                </a:srgbClr>
-              </a:gs>
-              <a:gs pos="50000">
-                <a:srgbClr val="C00000">
-                  <a:shade val="67500"/>
-                  <a:satMod val="115000"/>
-                </a:srgbClr>
-              </a:gs>
-              <a:gs pos="100000">
-                <a:srgbClr val="C00000">
-                  <a:shade val="100000"/>
-                  <a:satMod val="115000"/>
-                </a:srgbClr>
-              </a:gs>
-            </a:gsLst>
-            <a:path path="circle">
-              <a:fillToRect t="100000" r="100000"/>
-            </a:path>
-            <a:tileRect l="-100000" b="-100000"/>
-          </a:gradFill>
-        </p:spPr>
-        <p:txBody>
-          <a:bodyPr>
-            <a:normAutofit/>
-          </a:bodyPr>
-          <a:lstStyle/>
-          <a:p>
-            <a:pPr algn="l"/>
-            <a:r>
-              <a:rPr lang="en-US" altLang="zh-TW" sz="4400" b="1" dirty="0">
-                <a:solidFill>
-                  <a:srgbClr val="FFFF00"/>
-                </a:solidFill>
-              </a:rPr>
-              <a:t>00 React Syllabus</a:t>
-            </a:r>
-            <a:endParaRPr lang="zh-TW" altLang="en-US" b="1" dirty="0">
-              <a:solidFill>
-                <a:srgbClr val="FFFF00"/>
-              </a:solidFill>
-            </a:endParaRPr>
-          </a:p>
-        </p:txBody>
-      </p:sp>
-      <p:sp>
-        <p:nvSpPr>
-          <p:cNvPr id="3" name="副標題 2"/>
-          <p:cNvSpPr>
-            <a:spLocks noGrp="1"/>
-          </p:cNvSpPr>
-          <p:nvPr>
-            <p:ph type="subTitle" idx="1"/>
-          </p:nvPr>
-        </p:nvSpPr>
-        <p:spPr>
-          <a:xfrm>
-            <a:off x="467544" y="1340767"/>
-            <a:ext cx="8352928" cy="5015583"/>
-          </a:xfrm>
-          <a:ln>
-            <a:solidFill>
-              <a:srgbClr val="C00000"/>
-            </a:solidFill>
-          </a:ln>
-        </p:spPr>
-        <p:txBody>
-          <a:bodyPr>
-            <a:noAutofit/>
-          </a:bodyPr>
-          <a:lstStyle/>
-          <a:p>
-            <a:pPr marL="342900" indent="-342900" algn="l">
-              <a:buClr>
-                <a:srgbClr val="0070C0"/>
-              </a:buClr>
-              <a:buSzPct val="80000"/>
-              <a:buFont typeface="Wingdings" pitchFamily="2" charset="2"/>
-              <a:buChar char="u"/>
-            </a:pPr>
-            <a:r>
-              <a:rPr lang="en-US" sz="1800" b="1" dirty="0">
-                <a:solidFill>
-                  <a:schemeClr val="tx1"/>
-                </a:solidFill>
-              </a:rPr>
-              <a:t>References:</a:t>
-            </a:r>
-          </a:p>
-          <a:p>
-            <a:pPr marL="342900" indent="-342900" algn="l">
-              <a:buClr>
-                <a:srgbClr val="0070C0"/>
-              </a:buClr>
-              <a:buSzPct val="80000"/>
-              <a:buFont typeface="Wingdings" pitchFamily="2" charset="2"/>
-              <a:buChar char="u"/>
-            </a:pPr>
-            <a:r>
-              <a:rPr lang="en-US" sz="1800" b="1" dirty="0">
-                <a:solidFill>
-                  <a:schemeClr val="tx1"/>
-                </a:solidFill>
-                <a:effectLst/>
-                <a:hlinkClick r:id="rId2"/>
-              </a:rPr>
-              <a:t>https://github.com/peterhchen/800-React-Hook</a:t>
-            </a:r>
-            <a:endParaRPr lang="en-US" sz="1800" b="1" dirty="0">
-              <a:solidFill>
-                <a:schemeClr val="tx1"/>
-              </a:solidFill>
-            </a:endParaRPr>
-          </a:p>
-          <a:p>
-            <a:pPr marL="342900" indent="-342900" algn="l">
-              <a:buClr>
-                <a:srgbClr val="0070C0"/>
-              </a:buClr>
-              <a:buSzPct val="80000"/>
-              <a:buFont typeface="Wingdings" pitchFamily="2" charset="2"/>
-              <a:buChar char="u"/>
-            </a:pPr>
-            <a:r>
-              <a:rPr lang="en-US" sz="1800" b="1" dirty="0">
-                <a:solidFill>
-                  <a:schemeClr val="tx1"/>
-                </a:solidFill>
-                <a:hlinkClick r:id="rId3"/>
-              </a:rPr>
-              <a:t>https://github.com/peterhchen/900_React_Proj</a:t>
-            </a:r>
-            <a:endParaRPr lang="en-US" sz="1800" b="1" dirty="0">
-              <a:solidFill>
-                <a:schemeClr val="tx1"/>
-              </a:solidFill>
-            </a:endParaRPr>
-          </a:p>
-          <a:p>
-            <a:pPr marL="342900" indent="-342900" algn="l">
-              <a:buClr>
-                <a:srgbClr val="0070C0"/>
-              </a:buClr>
-              <a:buSzPct val="80000"/>
-              <a:buFont typeface="Wingdings" pitchFamily="2" charset="2"/>
-              <a:buChar char="u"/>
-            </a:pPr>
-            <a:r>
-              <a:rPr lang="en-US" sz="1800" b="1" dirty="0">
-                <a:solidFill>
-                  <a:schemeClr val="tx1"/>
-                </a:solidFill>
-                <a:effectLst/>
-                <a:hlinkClick r:id="rId4"/>
-              </a:rPr>
-              <a:t>https://github.com/peterhchen/900_React_Django</a:t>
-            </a:r>
-            <a:endParaRPr lang="en-US" sz="1800" b="1" dirty="0">
-              <a:solidFill>
-                <a:schemeClr val="tx1"/>
-              </a:solidFill>
-              <a:effectLst/>
-            </a:endParaRPr>
-          </a:p>
-          <a:p>
-            <a:pPr marL="342900" indent="-342900" algn="l">
-              <a:buClr>
-                <a:srgbClr val="0070C0"/>
-              </a:buClr>
-              <a:buSzPct val="80000"/>
-              <a:buFont typeface="Wingdings" pitchFamily="2" charset="2"/>
-              <a:buChar char="u"/>
-            </a:pPr>
-            <a:r>
-              <a:rPr lang="en-US" sz="1800" b="1" dirty="0">
-                <a:solidFill>
-                  <a:schemeClr val="tx1"/>
-                </a:solidFill>
-                <a:effectLst/>
-                <a:hlinkClick r:id="rId5"/>
-              </a:rPr>
-              <a:t>https://github.com/peterhchen/800_Angular</a:t>
-            </a:r>
-            <a:endParaRPr lang="en-US" sz="1800" b="1" dirty="0">
-              <a:solidFill>
-                <a:schemeClr val="tx1"/>
-              </a:solidFill>
-              <a:effectLst/>
-            </a:endParaRPr>
-          </a:p>
-          <a:p>
-            <a:pPr marL="342900" indent="-342900" algn="l">
-              <a:buClr>
-                <a:srgbClr val="0070C0"/>
-              </a:buClr>
-              <a:buSzPct val="80000"/>
-              <a:buFont typeface="Wingdings" pitchFamily="2" charset="2"/>
-              <a:buChar char="u"/>
-            </a:pPr>
-            <a:r>
-              <a:rPr lang="en-US" sz="1800" b="1" dirty="0">
-                <a:solidFill>
-                  <a:schemeClr val="tx1"/>
-                </a:solidFill>
-                <a:effectLst/>
-                <a:hlinkClick r:id="rId6"/>
-              </a:rPr>
-              <a:t>https://github.com/peterhchen/900_Angular_Django</a:t>
-            </a:r>
-            <a:endParaRPr lang="en-US" sz="1800" b="1" dirty="0">
-              <a:solidFill>
-                <a:schemeClr val="tx1"/>
-              </a:solidFill>
-              <a:effectLst/>
-            </a:endParaRPr>
-          </a:p>
-          <a:p>
-            <a:pPr marL="342900" indent="-342900" algn="l">
-              <a:buClr>
-                <a:srgbClr val="0070C0"/>
-              </a:buClr>
-              <a:buSzPct val="80000"/>
-              <a:buFont typeface="Wingdings" pitchFamily="2" charset="2"/>
-              <a:buChar char="u"/>
-            </a:pPr>
-            <a:r>
-              <a:rPr lang="en-US" sz="1800" b="1" dirty="0">
-                <a:solidFill>
-                  <a:schemeClr val="tx1"/>
-                </a:solidFill>
-                <a:effectLst/>
-                <a:hlinkClick r:id="rId7"/>
-              </a:rPr>
-              <a:t>https://github.com/peterhchen/900_Angular_Proj</a:t>
-            </a:r>
-            <a:endParaRPr lang="en-US" sz="1800" b="1" dirty="0">
-              <a:solidFill>
-                <a:schemeClr val="tx1"/>
-              </a:solidFill>
-              <a:effectLst/>
-            </a:endParaRPr>
-          </a:p>
-          <a:p>
-            <a:pPr marL="342900" indent="-342900" algn="l">
-              <a:buClr>
-                <a:srgbClr val="0070C0"/>
-              </a:buClr>
-              <a:buSzPct val="80000"/>
-              <a:buFont typeface="Wingdings" pitchFamily="2" charset="2"/>
-              <a:buChar char="u"/>
-            </a:pPr>
-            <a:r>
-              <a:rPr lang="en-US" sz="1800" b="1" dirty="0">
-                <a:solidFill>
-                  <a:schemeClr val="tx1"/>
-                </a:solidFill>
-                <a:effectLst/>
-              </a:rPr>
-              <a:t>Textbooks:</a:t>
-            </a:r>
-          </a:p>
-          <a:p>
-            <a:pPr marL="342900" indent="-342900" algn="l">
-              <a:buClr>
-                <a:srgbClr val="0070C0"/>
-              </a:buClr>
-              <a:buSzPct val="80000"/>
-              <a:buFont typeface="Wingdings" pitchFamily="2" charset="2"/>
-              <a:buChar char="u"/>
-            </a:pPr>
-            <a:r>
-              <a:rPr lang="en-US" sz="1800" b="0" i="0" dirty="0">
-                <a:solidFill>
-                  <a:srgbClr val="111111"/>
-                </a:solidFill>
-                <a:effectLst/>
-                <a:latin typeface="Amazon Ember"/>
-              </a:rPr>
-              <a:t>Learn React Hooks: Build and refactor modern React.js applications using </a:t>
-            </a:r>
-            <a:r>
-              <a:rPr lang="en-US" sz="1800" b="0" i="0">
-                <a:solidFill>
-                  <a:srgbClr val="111111"/>
-                </a:solidFill>
-                <a:effectLst/>
-                <a:latin typeface="Amazon Ember"/>
-              </a:rPr>
-              <a:t>Hooks, </a:t>
-            </a:r>
-            <a:r>
-              <a:rPr lang="en-US" sz="1800" b="1" i="0">
-                <a:solidFill>
-                  <a:srgbClr val="555555"/>
-                </a:solidFill>
-                <a:effectLst/>
-                <a:latin typeface="Amazon Ember"/>
-              </a:rPr>
-              <a:t>October </a:t>
-            </a:r>
-            <a:r>
-              <a:rPr lang="en-US" sz="1800" b="1" i="0" dirty="0">
-                <a:solidFill>
-                  <a:srgbClr val="555555"/>
-                </a:solidFill>
-                <a:effectLst/>
-                <a:latin typeface="Amazon Ember"/>
-              </a:rPr>
-              <a:t>18</a:t>
-            </a:r>
-            <a:r>
-              <a:rPr lang="en-US" sz="1800" b="1" i="0">
-                <a:solidFill>
-                  <a:srgbClr val="555555"/>
-                </a:solidFill>
-                <a:effectLst/>
-                <a:latin typeface="Amazon Ember"/>
-              </a:rPr>
-              <a:t>, 2019</a:t>
-            </a:r>
-            <a:r>
-              <a:rPr lang="en-US" sz="1800" b="1">
-                <a:solidFill>
-                  <a:srgbClr val="111111"/>
-                </a:solidFill>
-                <a:latin typeface="Amazon Ember"/>
-              </a:rPr>
-              <a:t>,</a:t>
-            </a:r>
-            <a:r>
-              <a:rPr lang="en-US" sz="1800" b="1" dirty="0">
-                <a:solidFill>
-                  <a:srgbClr val="111111"/>
-                </a:solidFill>
-                <a:latin typeface="Amazon Ember"/>
-              </a:rPr>
-              <a:t> </a:t>
-            </a:r>
-            <a:r>
-              <a:rPr lang="en-US" sz="1800" b="0" i="0">
-                <a:solidFill>
-                  <a:srgbClr val="111111"/>
-                </a:solidFill>
-                <a:effectLst/>
-                <a:latin typeface="Amazon Ember"/>
-              </a:rPr>
-              <a:t>Daniel </a:t>
-            </a:r>
-            <a:r>
-              <a:rPr lang="en-US" sz="1800" b="0" i="0" dirty="0" err="1">
-                <a:solidFill>
-                  <a:srgbClr val="111111"/>
-                </a:solidFill>
-                <a:effectLst/>
-                <a:latin typeface="Amazon Ember"/>
-              </a:rPr>
-              <a:t>Bugl</a:t>
-            </a:r>
-            <a:r>
-              <a:rPr lang="en-US" sz="1800" b="0" i="0" dirty="0">
-                <a:solidFill>
-                  <a:srgbClr val="111111"/>
-                </a:solidFill>
-                <a:effectLst/>
-                <a:latin typeface="Amazon Ember"/>
-              </a:rPr>
-              <a:t> </a:t>
-            </a:r>
-            <a:endParaRPr lang="en-US" sz="1800" b="1" dirty="0">
-              <a:solidFill>
-                <a:schemeClr val="tx1"/>
-              </a:solidFill>
-              <a:effectLst/>
-            </a:endParaRPr>
-          </a:p>
-        </p:txBody>
-      </p:sp>
-      <p:sp>
-        <p:nvSpPr>
-          <p:cNvPr id="4" name="標題 1"/>
-          <p:cNvSpPr txBox="1">
-            <a:spLocks/>
-          </p:cNvSpPr>
-          <p:nvPr/>
-        </p:nvSpPr>
-        <p:spPr>
-          <a:xfrm>
-            <a:off x="0" y="764704"/>
-            <a:ext cx="9144000" cy="398616"/>
-          </a:xfrm>
-          <a:prstGeom prst="rect">
-            <a:avLst/>
-          </a:prstGeom>
-          <a:gradFill flip="none" rotWithShape="1">
-            <a:gsLst>
-              <a:gs pos="0">
-                <a:srgbClr val="00B0F0">
-                  <a:shade val="30000"/>
-                  <a:satMod val="115000"/>
-                </a:srgbClr>
-              </a:gs>
-              <a:gs pos="50000">
-                <a:srgbClr val="00B0F0">
-                  <a:shade val="67500"/>
-                  <a:satMod val="115000"/>
-                </a:srgbClr>
-              </a:gs>
-              <a:gs pos="100000">
-                <a:srgbClr val="00B0F0">
-                  <a:shade val="100000"/>
-                  <a:satMod val="115000"/>
-                </a:srgbClr>
-              </a:gs>
-            </a:gsLst>
-            <a:path path="circle">
-              <a:fillToRect t="100000" r="100000"/>
-            </a:path>
-            <a:tileRect l="-100000" b="-100000"/>
-          </a:gradFill>
-        </p:spPr>
-        <p:txBody>
-          <a:bodyPr vert="horz" lIns="91440" tIns="45720" rIns="91440" bIns="45720" rtlCol="0" anchor="ctr">
-            <a:normAutofit/>
-          </a:bodyPr>
-          <a:lstStyle/>
-          <a:p>
-            <a:r>
-              <a:rPr lang="en-US" sz="1600" dirty="0">
-                <a:hlinkClick r:id="rId7"/>
-              </a:rPr>
-              <a:t>https://github.com/peterhchen/900_Angular_Proj</a:t>
-            </a:r>
-            <a:endParaRPr lang="en-US" altLang="zh-TW" sz="1600" b="1" i="1" dirty="0"/>
-          </a:p>
-        </p:txBody>
-      </p:sp>
-      <p:sp>
-        <p:nvSpPr>
-          <p:cNvPr id="5" name="日期版面配置區 4"/>
-          <p:cNvSpPr>
-            <a:spLocks noGrp="1"/>
-          </p:cNvSpPr>
-          <p:nvPr>
-            <p:ph type="dt" sz="half" idx="10"/>
-          </p:nvPr>
-        </p:nvSpPr>
-        <p:spPr>
-          <a:xfrm>
-            <a:off x="457200" y="6356350"/>
-            <a:ext cx="2133600" cy="404246"/>
-          </a:xfrm>
-        </p:spPr>
-        <p:txBody>
-          <a:bodyPr/>
-          <a:lstStyle/>
-          <a:p>
-            <a:fld id="{A4F910E6-8D00-4BAF-8C48-9688E0B449D3}" type="datetime1">
-              <a:rPr lang="zh-TW" altLang="en-US" smtClean="0"/>
-              <a:pPr/>
-              <a:t>2020/9/28</a:t>
-            </a:fld>
-            <a:endParaRPr lang="zh-TW" altLang="en-US"/>
-          </a:p>
-        </p:txBody>
-      </p:sp>
-      <p:sp>
-        <p:nvSpPr>
-          <p:cNvPr id="6" name="投影片編號版面配置區 5"/>
-          <p:cNvSpPr>
-            <a:spLocks noGrp="1"/>
-          </p:cNvSpPr>
-          <p:nvPr>
-            <p:ph type="sldNum" sz="quarter" idx="12"/>
-          </p:nvPr>
-        </p:nvSpPr>
-        <p:spPr>
-          <a:xfrm>
-            <a:off x="6553200" y="6356350"/>
-            <a:ext cx="2133600" cy="404246"/>
-          </a:xfrm>
-        </p:spPr>
-        <p:txBody>
-          <a:bodyPr/>
-          <a:lstStyle/>
-          <a:p>
-            <a:fld id="{E4D7E63D-91F2-4366-A2C4-1B00C9E2590E}" type="slidenum">
-              <a:rPr lang="zh-TW" altLang="en-US" smtClean="0"/>
-              <a:pPr/>
-              <a:t>5</a:t>
             </a:fld>
             <a:endParaRPr lang="zh-TW" altLang="en-US"/>
           </a:p>
@@ -5802,7 +5157,7 @@
 </p:sld>
 </file>
 
-<file path=ppt/slides/slide6.xml><?xml version="1.0" encoding="utf-8"?>
+<file path=ppt/slides/slide5.xml><?xml version="1.0" encoding="utf-8"?>
 <p:sld xmlns:a="http://schemas.openxmlformats.org/drawingml/2006/main" xmlns:r="http://schemas.openxmlformats.org/officeDocument/2006/relationships" xmlns:p="http://schemas.openxmlformats.org/presentationml/2006/main">
   <p:cSld>
     <p:spTree>
@@ -5901,7 +5256,7 @@
             <a:fld id="{4E46BE27-E923-4EC2-B046-3272AE2A3E5C}" type="datetime1">
               <a:rPr lang="zh-TW" altLang="en-US" smtClean="0"/>
               <a:pPr/>
-              <a:t>2020/9/28</a:t>
+              <a:t>2020/9/29</a:t>
             </a:fld>
             <a:endParaRPr lang="zh-TW" altLang="en-US"/>
           </a:p>
@@ -5925,7 +5280,7 @@
             <a:fld id="{E4D7E63D-91F2-4366-A2C4-1B00C9E2590E}" type="slidenum">
               <a:rPr lang="zh-TW" altLang="en-US" smtClean="0"/>
               <a:pPr/>
-              <a:t>6</a:t>
+              <a:t>5</a:t>
             </a:fld>
             <a:endParaRPr lang="zh-TW" altLang="en-US"/>
           </a:p>
